--- a/RaspberryPi-Hints-and-Tips.pptx
+++ b/RaspberryPi-Hints-and-Tips.pptx
@@ -5,16 +5,17 @@
     <p:sldMasterId id="2147483648" r:id="rId1"/>
   </p:sldMasterIdLst>
   <p:notesMasterIdLst>
-    <p:notesMasterId r:id="rId9"/>
+    <p:notesMasterId r:id="rId10"/>
   </p:notesMasterIdLst>
   <p:sldIdLst>
     <p:sldId id="330" r:id="rId2"/>
     <p:sldId id="331" r:id="rId3"/>
-    <p:sldId id="332" r:id="rId4"/>
-    <p:sldId id="333" r:id="rId5"/>
-    <p:sldId id="334" r:id="rId6"/>
-    <p:sldId id="335" r:id="rId7"/>
-    <p:sldId id="336" r:id="rId8"/>
+    <p:sldId id="338" r:id="rId4"/>
+    <p:sldId id="332" r:id="rId5"/>
+    <p:sldId id="333" r:id="rId6"/>
+    <p:sldId id="334" r:id="rId7"/>
+    <p:sldId id="335" r:id="rId8"/>
+    <p:sldId id="336" r:id="rId9"/>
   </p:sldIdLst>
   <p:sldSz cx="9144000" cy="5143500" type="screen16x9"/>
   <p:notesSz cx="6858000" cy="9144000"/>
@@ -633,7 +634,7 @@
           <a:p>
             <a:fld id="{E94C31D2-AF12-492B-BFAE-9A37BB159D08}" type="slidenum">
               <a:rPr lang="en-US"/>
-              <a:t>3</a:t>
+              <a:t>4</a:t>
             </a:fld>
             <a:endParaRPr lang="en-US"/>
           </a:p>
@@ -717,7 +718,7 @@
           <a:p>
             <a:fld id="{E94C31D2-AF12-492B-BFAE-9A37BB159D08}" type="slidenum">
               <a:rPr lang="en-US"/>
-              <a:t>4</a:t>
+              <a:t>5</a:t>
             </a:fld>
             <a:endParaRPr lang="en-US"/>
           </a:p>
@@ -801,7 +802,7 @@
           <a:p>
             <a:fld id="{E94C31D2-AF12-492B-BFAE-9A37BB159D08}" type="slidenum">
               <a:rPr lang="en-US"/>
-              <a:t>5</a:t>
+              <a:t>6</a:t>
             </a:fld>
             <a:endParaRPr lang="en-US"/>
           </a:p>
@@ -885,7 +886,7 @@
           <a:p>
             <a:fld id="{E94C31D2-AF12-492B-BFAE-9A37BB159D08}" type="slidenum">
               <a:rPr lang="en-US"/>
-              <a:t>6</a:t>
+              <a:t>7</a:t>
             </a:fld>
             <a:endParaRPr lang="en-US"/>
           </a:p>
@@ -3824,39 +3825,6 @@
             <a:endParaRPr lang="en-US" sz="800" dirty="0"/>
           </a:p>
           <a:p>
-            <a:r>
-              <a:rPr lang="en-US" sz="1800" dirty="0"/>
-              <a:t>Don’t have keyboard, monitor, &amp; mouse?</a:t>
-            </a:r>
-            <a:r>
-              <a:rPr lang="en-US" sz="1800" dirty="0">
-                <a:latin typeface="+mn-ea"/>
-                <a:cs typeface="+mn-ea"/>
-              </a:rPr>
-              <a:t/>
-            </a:r>
-            <a:br>
-              <a:rPr lang="en-US" sz="1800" dirty="0">
-                <a:latin typeface="+mn-ea"/>
-                <a:cs typeface="+mn-ea"/>
-              </a:rPr>
-            </a:br>
-            <a:r>
-              <a:rPr lang="en-US" sz="1800" dirty="0"/>
-              <a:t>Headless setup can be done</a:t>
-            </a:r>
-            <a:endParaRPr sz="1800" dirty="0"/>
-          </a:p>
-          <a:p>
-            <a:pPr lvl="1"/>
-            <a:r>
-              <a:rPr lang="en-US" sz="1600" dirty="0">
-                <a:hlinkClick r:id="rId5"/>
-              </a:rPr>
-              <a:t>https://caffinc.github.io/2016/12/raspberry-pi-3-headless/</a:t>
-            </a:r>
-          </a:p>
-          <a:p>
             <a:endParaRPr lang="en-US" sz="1800" dirty="0"/>
           </a:p>
         </p:txBody>
@@ -3902,18 +3870,23 @@
           </p:cNvSpPr>
           <p:nvPr>
             <p:ph type="title"/>
-            <p:extLst/>
-          </p:nvPr>
-        </p:nvSpPr>
-        <p:spPr/>
+          </p:nvPr>
+        </p:nvSpPr>
+        <p:spPr>
+          <a:xfrm>
+            <a:off x="457201" y="205980"/>
+            <a:ext cx="8229600" cy="517456"/>
+          </a:xfrm>
+        </p:spPr>
         <p:txBody>
           <a:bodyPr/>
           <a:lstStyle/>
           <a:p>
             <a:r>
-              <a:rPr lang="en-US" dirty="0"/>
-              <a:t>Node-Red updates</a:t>
-            </a:r>
+              <a:rPr lang="en-US" sz="2400" dirty="0"/>
+              <a:t>Don’t have keyboard, monitor, &amp; mouse?</a:t>
+            </a:r>
+            <a:endParaRPr lang="en-US" dirty="0"/>
           </a:p>
         </p:txBody>
       </p:sp>
@@ -3925,114 +3898,251 @@
           </p:cNvSpPr>
           <p:nvPr>
             <p:ph idx="1"/>
-            <p:extLst/>
           </p:nvPr>
         </p:nvSpPr>
         <p:spPr>
           <a:xfrm>
-            <a:off x="506412" y="1327037"/>
-            <a:ext cx="8637588" cy="2265249"/>
+            <a:off x="254000" y="902493"/>
+            <a:ext cx="8637588" cy="3710603"/>
           </a:xfrm>
         </p:spPr>
         <p:txBody>
-          <a:bodyPr vert="horz" lIns="68580" tIns="34290" rIns="68580" bIns="34290" rtlCol="0" anchor="t">
-            <a:normAutofit/>
+          <a:bodyPr>
+            <a:normAutofit fontScale="92500" lnSpcReduction="10000"/>
           </a:bodyPr>
           <a:lstStyle/>
           <a:p>
             <a:r>
+              <a:rPr lang="en-US" dirty="0" smtClean="0"/>
+              <a:t>Headless Setup</a:t>
+            </a:r>
+          </a:p>
+          <a:p>
+            <a:pPr lvl="1"/>
+            <a:r>
+              <a:rPr lang="en-US" dirty="0">
+                <a:hlinkClick r:id="rId2"/>
+              </a:rPr>
+              <a:t>https://caffinc.github.io/2016/12/raspberry-pi-3-headless</a:t>
+            </a:r>
+            <a:r>
+              <a:rPr lang="en-US" dirty="0" smtClean="0">
+                <a:hlinkClick r:id="rId2"/>
+              </a:rPr>
+              <a:t>/</a:t>
+            </a:r>
+            <a:endParaRPr lang="en-US" dirty="0" smtClean="0"/>
+          </a:p>
+          <a:p>
+            <a:r>
+              <a:rPr lang="en-US" dirty="0" smtClean="0"/>
+              <a:t>Use Internet sharing while travelling</a:t>
+            </a:r>
+          </a:p>
+          <a:p>
+            <a:pPr lvl="1"/>
+            <a:r>
+              <a:rPr lang="en-US" dirty="0" smtClean="0"/>
+              <a:t>Connect Pi to laptop with </a:t>
+            </a:r>
+            <a:r>
+              <a:rPr lang="en-US" dirty="0" err="1" smtClean="0"/>
+              <a:t>ethernet</a:t>
+            </a:r>
+            <a:r>
+              <a:rPr lang="en-US" dirty="0" smtClean="0"/>
+              <a:t> cable</a:t>
+            </a:r>
+          </a:p>
+          <a:p>
+            <a:pPr lvl="1"/>
+            <a:r>
               <a:rPr lang="en-US" dirty="0"/>
-              <a:t>In a terminal enter:</a:t>
-            </a:r>
-          </a:p>
-          <a:p>
-            <a:pPr lvl="1"/>
-            <a:r>
-              <a:rPr lang="en-US" dirty="0"/>
-              <a:t>update-</a:t>
-            </a:r>
-            <a:r>
-              <a:rPr lang="en-US" dirty="0" err="1"/>
-              <a:t>nodejs</a:t>
-            </a:r>
-            <a:r>
-              <a:rPr lang="en-US" dirty="0"/>
-              <a:t>-and-</a:t>
-            </a:r>
-            <a:r>
-              <a:rPr lang="en-US" dirty="0" err="1"/>
-              <a:t>nodered</a:t>
-            </a:r>
-          </a:p>
-          <a:p>
-            <a:pPr lvl="1"/>
-            <a:r>
-              <a:rPr lang="en-US" dirty="0" err="1"/>
-              <a:t>sudo</a:t>
-            </a:r>
-            <a:r>
-              <a:rPr lang="en-US" dirty="0"/>
-              <a:t> </a:t>
-            </a:r>
-            <a:r>
-              <a:rPr lang="en-US" dirty="0" err="1"/>
-              <a:t>npm</a:t>
-            </a:r>
-            <a:r>
-              <a:rPr lang="en-US" dirty="0"/>
-              <a:t> update –g</a:t>
-            </a:r>
-          </a:p>
-          <a:p>
-            <a:pPr lvl="1"/>
-            <a:endParaRPr lang="en-US" dirty="0"/>
-          </a:p>
-          <a:p>
-            <a:r>
-              <a:rPr lang="en-US" dirty="0"/>
-              <a:t>Running node-red on a Raspberry Pi:</a:t>
-            </a:r>
-          </a:p>
-          <a:p>
-            <a:pPr marL="342900" lvl="1" indent="0">
-              <a:buNone/>
-            </a:pPr>
+              <a:t>MacOS: </a:t>
+            </a:r>
             <a:r>
               <a:rPr lang="en-US" dirty="0">
-                <a:latin typeface="Calibri"/>
-                <a:cs typeface="Courier New"/>
                 <a:hlinkClick r:id="rId3"/>
               </a:rPr>
               <a:t>https://</a:t>
             </a:r>
             <a:r>
               <a:rPr lang="en-US" dirty="0" smtClean="0">
-                <a:latin typeface="Calibri"/>
-                <a:cs typeface="Courier New"/>
                 <a:hlinkClick r:id="rId3"/>
               </a:rPr>
-              <a:t>nodered.org/docs/hardware/raspberrypi.html</a:t>
-            </a:r>
-            <a:endParaRPr lang="en-US" dirty="0" smtClean="0">
-              <a:latin typeface="Calibri"/>
-              <a:cs typeface="Courier New"/>
-            </a:endParaRPr>
-          </a:p>
-          <a:p>
-            <a:pPr marL="342900" lvl="1" indent="0">
-              <a:buNone/>
+              <a:t>support.apple.com/kb/PH25327?locale=en_GB</a:t>
+            </a:r>
+            <a:endParaRPr lang="en-US" dirty="0" smtClean="0"/>
+          </a:p>
+          <a:p>
+            <a:pPr lvl="1"/>
+            <a:r>
+              <a:rPr lang="en-US" dirty="0"/>
+              <a:t>Windows: </a:t>
+            </a:r>
+            <a:r>
+              <a:rPr lang="en-US" dirty="0">
+                <a:hlinkClick r:id="rId4"/>
+              </a:rPr>
+              <a:t>http://</a:t>
+            </a:r>
+            <a:r>
+              <a:rPr lang="en-US" dirty="0" smtClean="0">
+                <a:hlinkClick r:id="rId4"/>
+              </a:rPr>
+              <a:t>www.andornot.com/blog/post/How-to-share-wired-internet-wirelessly-with-a-Windows-7-laptop.aspx</a:t>
+            </a:r>
+            <a:endParaRPr lang="en-US" dirty="0" smtClean="0"/>
+          </a:p>
+          <a:p>
+            <a:r>
+              <a:rPr lang="en-US" dirty="0" smtClean="0"/>
+              <a:t>Or, use your cell phone hotspot</a:t>
+            </a:r>
+          </a:p>
+          <a:p>
+            <a:pPr lvl="1"/>
+            <a:r>
+              <a:rPr lang="en-US" dirty="0" err="1"/>
+              <a:t>s</a:t>
+            </a:r>
+            <a:r>
+              <a:rPr lang="en-US" dirty="0" err="1" smtClean="0"/>
+              <a:t>sh</a:t>
+            </a:r>
+            <a:r>
+              <a:rPr lang="en-US" dirty="0" smtClean="0"/>
+              <a:t> to your device using it’s </a:t>
+            </a:r>
+            <a:r>
+              <a:rPr lang="en-US" dirty="0" err="1" smtClean="0"/>
+              <a:t>hostname.local</a:t>
+            </a:r>
+            <a:r>
+              <a:rPr lang="en-US" dirty="0" smtClean="0"/>
+              <a:t> </a:t>
+            </a:r>
+            <a:br>
+              <a:rPr lang="en-US" dirty="0" smtClean="0"/>
+            </a:br>
+            <a:r>
+              <a:rPr lang="en-US" dirty="0" smtClean="0"/>
+              <a:t>(</a:t>
+            </a:r>
+            <a:r>
+              <a:rPr lang="en-US" dirty="0" err="1" smtClean="0"/>
+              <a:t>ie</a:t>
+            </a:r>
+            <a:r>
+              <a:rPr lang="en-US" dirty="0" smtClean="0"/>
+              <a:t>: </a:t>
+            </a:r>
+            <a:r>
+              <a:rPr lang="en-US" dirty="0" err="1" smtClean="0">
+                <a:latin typeface="Lucida Console" charset="0"/>
+                <a:ea typeface="Lucida Console" charset="0"/>
+                <a:cs typeface="Lucida Console" charset="0"/>
+              </a:rPr>
+              <a:t>ssh</a:t>
+            </a:r>
+            <a:r>
+              <a:rPr lang="en-US" dirty="0" smtClean="0">
+                <a:latin typeface="Lucida Console" charset="0"/>
+                <a:ea typeface="Lucida Console" charset="0"/>
+                <a:cs typeface="Lucida Console" charset="0"/>
+              </a:rPr>
+              <a:t> </a:t>
+            </a:r>
+            <a:r>
+              <a:rPr lang="en-US" dirty="0" smtClean="0">
+                <a:latin typeface="Lucida Console" charset="0"/>
+                <a:ea typeface="Lucida Console" charset="0"/>
+                <a:cs typeface="Lucida Console" charset="0"/>
+                <a:hlinkClick r:id="rId5"/>
+              </a:rPr>
+              <a:t>pi@raspberrypi.local</a:t>
+            </a:r>
+            <a:r>
+              <a:rPr lang="en-US" dirty="0" smtClean="0">
+                <a:hlinkClick r:id="rId5"/>
+              </a:rPr>
+              <a:t>)</a:t>
+            </a:r>
+            <a:endParaRPr lang="en-US" dirty="0" smtClean="0"/>
+          </a:p>
+          <a:p>
+            <a:r>
+              <a:rPr lang="en-US" dirty="0" smtClean="0"/>
+              <a:t>Connect to multiple </a:t>
+            </a:r>
+            <a:r>
+              <a:rPr lang="en-US" dirty="0" err="1" smtClean="0"/>
+              <a:t>WiFi</a:t>
+            </a:r>
+            <a:r>
+              <a:rPr lang="en-US" dirty="0" smtClean="0"/>
+              <a:t> networks</a:t>
+            </a:r>
+          </a:p>
+          <a:p>
+            <a:pPr lvl="1"/>
+            <a:r>
+              <a:rPr lang="en-US" dirty="0"/>
+              <a:t>https://</a:t>
+            </a:r>
+            <a:r>
+              <a:rPr lang="en-US" dirty="0" err="1"/>
+              <a:t>www.mikestreety.co.uk</a:t>
+            </a:r>
+            <a:r>
+              <a:rPr lang="en-US" dirty="0"/>
+              <a:t>/blog/use-a-raspberry-pi-with-multiple-</a:t>
+            </a:r>
+            <a:r>
+              <a:rPr lang="en-US" dirty="0" err="1"/>
+              <a:t>wifi</a:t>
+            </a:r>
+            <a:r>
+              <a:rPr lang="en-US" dirty="0"/>
+              <a:t>-networks</a:t>
+            </a:r>
+            <a:endParaRPr lang="en-US" dirty="0" smtClean="0"/>
+          </a:p>
+        </p:txBody>
+      </p:sp>
+      <p:sp>
+        <p:nvSpPr>
+          <p:cNvPr id="4" name="Slide Number Placeholder 3"/>
+          <p:cNvSpPr>
+            <a:spLocks noGrp="1"/>
+          </p:cNvSpPr>
+          <p:nvPr>
+            <p:ph type="sldNum" sz="quarter" idx="4"/>
+          </p:nvPr>
+        </p:nvSpPr>
+        <p:spPr/>
+        <p:txBody>
+          <a:bodyPr/>
+          <a:lstStyle/>
+          <a:p>
+            <a:pPr>
+              <a:defRPr/>
             </a:pPr>
-            <a:endParaRPr lang="en-US" dirty="0">
-              <a:latin typeface="Calibri"/>
-              <a:cs typeface="Courier New"/>
-            </a:endParaRPr>
+            <a:fld id="{3F51DE6B-9243-4E85-B0E8-1607A2626A11}" type="slidenum">
+              <a:rPr lang="en-US" smtClean="0"/>
+              <a:pPr>
+                <a:defRPr/>
+              </a:pPr>
+              <a:t>3</a:t>
+            </a:fld>
+            <a:endParaRPr lang="en-US" dirty="0"/>
           </a:p>
         </p:txBody>
       </p:sp>
     </p:spTree>
     <p:extLst>
       <p:ext uri="{BB962C8B-B14F-4D97-AF65-F5344CB8AC3E}">
-        <p14:creationId xmlns:p14="http://schemas.microsoft.com/office/powerpoint/2010/main" val="1219262915"/>
+        <p14:creationId xmlns:p14="http://schemas.microsoft.com/office/powerpoint/2010/main" val="50088323"/>
       </p:ext>
     </p:extLst>
   </p:cSld>
@@ -4079,9 +4189,10 @@
           <a:lstStyle/>
           <a:p>
             <a:r>
-              <a:rPr lang="en-US" dirty="0"/>
-              <a:t>Occasional System updates</a:t>
-            </a:r>
+              <a:rPr lang="en-US" dirty="0" smtClean="0"/>
+              <a:t>Node-Red</a:t>
+            </a:r>
+            <a:endParaRPr lang="en-US" dirty="0"/>
           </a:p>
         </p:txBody>
       </p:sp>
@@ -4098,19 +4209,57 @@
         </p:nvSpPr>
         <p:spPr>
           <a:xfrm>
-            <a:off x="560841" y="1512094"/>
-            <a:ext cx="6460445" cy="1394392"/>
+            <a:off x="506412" y="1327037"/>
+            <a:ext cx="8637588" cy="2265249"/>
           </a:xfrm>
         </p:spPr>
         <p:txBody>
           <a:bodyPr vert="horz" lIns="68580" tIns="34290" rIns="68580" bIns="34290" rtlCol="0" anchor="t">
-            <a:normAutofit/>
+            <a:normAutofit fontScale="92500" lnSpcReduction="10000"/>
           </a:bodyPr>
           <a:lstStyle/>
           <a:p>
             <a:r>
+              <a:rPr lang="en-US" dirty="0" smtClean="0"/>
+              <a:t>First thing, update the pre-installed </a:t>
+            </a:r>
+            <a:r>
+              <a:rPr lang="en-US" dirty="0" err="1" smtClean="0"/>
+              <a:t>NodeJS</a:t>
+            </a:r>
+            <a:r>
+              <a:rPr lang="en-US" dirty="0" smtClean="0"/>
+              <a:t>/Node-Red</a:t>
+            </a:r>
+            <a:br>
+              <a:rPr lang="en-US" dirty="0" smtClean="0"/>
+            </a:br>
+            <a:r>
+              <a:rPr lang="en-US" dirty="0" smtClean="0"/>
+              <a:t>In </a:t>
+            </a:r>
+            <a:r>
               <a:rPr lang="en-US" dirty="0"/>
-              <a:t>In a terminal enter:</a:t>
+              <a:t>a terminal enter:</a:t>
+            </a:r>
+          </a:p>
+          <a:p>
+            <a:pPr lvl="1"/>
+            <a:r>
+              <a:rPr lang="en-US" dirty="0"/>
+              <a:t>update-</a:t>
+            </a:r>
+            <a:r>
+              <a:rPr lang="en-US" dirty="0" err="1"/>
+              <a:t>nodejs</a:t>
+            </a:r>
+            <a:r>
+              <a:rPr lang="en-US" dirty="0"/>
+              <a:t>-and-</a:t>
+            </a:r>
+            <a:r>
+              <a:rPr lang="en-US" dirty="0" err="1"/>
+              <a:t>nodered</a:t>
             </a:r>
           </a:p>
           <a:p>
@@ -4121,26 +4270,67 @@
             </a:r>
             <a:r>
               <a:rPr lang="en-US" dirty="0"/>
-              <a:t> apt update</a:t>
+              <a:t> </a:t>
+            </a:r>
+            <a:r>
+              <a:rPr lang="en-US" dirty="0" err="1"/>
+              <a:t>npm</a:t>
+            </a:r>
+            <a:r>
+              <a:rPr lang="en-US" dirty="0"/>
+              <a:t> update –g</a:t>
             </a:r>
           </a:p>
           <a:p>
             <a:pPr lvl="1"/>
-            <a:r>
-              <a:rPr lang="en-US" dirty="0" err="1"/>
-              <a:t>sudo</a:t>
-            </a:r>
+            <a:endParaRPr lang="en-US" dirty="0"/>
+          </a:p>
+          <a:p>
             <a:r>
               <a:rPr lang="en-US" dirty="0"/>
-              <a:t> apt upgrade</a:t>
-            </a:r>
+              <a:t>Running node-red on a Raspberry Pi:</a:t>
+            </a:r>
+          </a:p>
+          <a:p>
+            <a:pPr marL="342900" lvl="1" indent="0">
+              <a:buNone/>
+            </a:pPr>
+            <a:r>
+              <a:rPr lang="en-US" dirty="0">
+                <a:latin typeface="Calibri"/>
+                <a:cs typeface="Courier New"/>
+                <a:hlinkClick r:id="rId3"/>
+              </a:rPr>
+              <a:t>https://</a:t>
+            </a:r>
+            <a:r>
+              <a:rPr lang="en-US" dirty="0" smtClean="0">
+                <a:latin typeface="Calibri"/>
+                <a:cs typeface="Courier New"/>
+                <a:hlinkClick r:id="rId3"/>
+              </a:rPr>
+              <a:t>nodered.org/docs/hardware/raspberrypi.html</a:t>
+            </a:r>
+            <a:endParaRPr lang="en-US" dirty="0" smtClean="0">
+              <a:latin typeface="Calibri"/>
+              <a:cs typeface="Courier New"/>
+            </a:endParaRPr>
+          </a:p>
+          <a:p>
+            <a:pPr marL="342900" lvl="1" indent="0">
+              <a:buNone/>
+            </a:pPr>
+            <a:endParaRPr lang="en-US" dirty="0">
+              <a:latin typeface="Calibri"/>
+              <a:cs typeface="Courier New"/>
+            </a:endParaRPr>
           </a:p>
         </p:txBody>
       </p:sp>
     </p:spTree>
     <p:extLst>
       <p:ext uri="{BB962C8B-B14F-4D97-AF65-F5344CB8AC3E}">
-        <p14:creationId xmlns:p14="http://schemas.microsoft.com/office/powerpoint/2010/main" val="8781726"/>
+        <p14:creationId xmlns:p14="http://schemas.microsoft.com/office/powerpoint/2010/main" val="1219262915"/>
       </p:ext>
     </p:extLst>
   </p:cSld>
@@ -4181,15 +4371,138 @@
             <p:extLst/>
           </p:nvPr>
         </p:nvSpPr>
-        <p:spPr/>
+        <p:spPr>
+          <a:xfrm>
+            <a:off x="457201" y="205980"/>
+            <a:ext cx="7145675" cy="857250"/>
+          </a:xfrm>
+        </p:spPr>
         <p:txBody>
           <a:bodyPr/>
           <a:lstStyle/>
           <a:p>
             <a:r>
               <a:rPr lang="en-US" dirty="0"/>
-              <a:t>What can I do?</a:t>
-            </a:r>
+              <a:t>Occasional System </a:t>
+            </a:r>
+            <a:r>
+              <a:rPr lang="en-US" dirty="0" smtClean="0"/>
+              <a:t>updates - When the mood strikes you</a:t>
+            </a:r>
+            <a:endParaRPr lang="en-US" dirty="0"/>
+          </a:p>
+        </p:txBody>
+      </p:sp>
+      <p:sp>
+        <p:nvSpPr>
+          <p:cNvPr id="3" name="Content Placeholder 2"/>
+          <p:cNvSpPr>
+            <a:spLocks noGrp="1"/>
+          </p:cNvSpPr>
+          <p:nvPr>
+            <p:ph idx="1"/>
+            <p:extLst/>
+          </p:nvPr>
+        </p:nvSpPr>
+        <p:spPr>
+          <a:xfrm>
+            <a:off x="560841" y="1512094"/>
+            <a:ext cx="6460445" cy="1394392"/>
+          </a:xfrm>
+        </p:spPr>
+        <p:txBody>
+          <a:bodyPr vert="horz" lIns="68580" tIns="34290" rIns="68580" bIns="34290" rtlCol="0" anchor="t">
+            <a:normAutofit/>
+          </a:bodyPr>
+          <a:lstStyle/>
+          <a:p>
+            <a:r>
+              <a:rPr lang="en-US" dirty="0"/>
+              <a:t>In a terminal enter:</a:t>
+            </a:r>
+          </a:p>
+          <a:p>
+            <a:pPr lvl="1"/>
+            <a:r>
+              <a:rPr lang="en-US" dirty="0" err="1"/>
+              <a:t>sudo</a:t>
+            </a:r>
+            <a:r>
+              <a:rPr lang="en-US" dirty="0"/>
+              <a:t> apt update</a:t>
+            </a:r>
+          </a:p>
+          <a:p>
+            <a:pPr lvl="1"/>
+            <a:r>
+              <a:rPr lang="en-US" dirty="0" err="1"/>
+              <a:t>sudo</a:t>
+            </a:r>
+            <a:r>
+              <a:rPr lang="en-US" dirty="0"/>
+              <a:t> apt upgrade</a:t>
+            </a:r>
+          </a:p>
+        </p:txBody>
+      </p:sp>
+    </p:spTree>
+    <p:extLst>
+      <p:ext uri="{BB962C8B-B14F-4D97-AF65-F5344CB8AC3E}">
+        <p14:creationId xmlns:p14="http://schemas.microsoft.com/office/powerpoint/2010/main" val="8781726"/>
+      </p:ext>
+    </p:extLst>
+  </p:cSld>
+  <p:clrMapOvr>
+    <a:masterClrMapping/>
+  </p:clrMapOvr>
+  <p:transition>
+    <p:fade/>
+  </p:transition>
+</p:sld>
+</file>
+
+<file path=ppt/slides/slide6.xml><?xml version="1.0" encoding="utf-8"?>
+<p:sld xmlns:a="http://schemas.openxmlformats.org/drawingml/2006/main" xmlns:r="http://schemas.openxmlformats.org/officeDocument/2006/relationships" xmlns:p="http://schemas.openxmlformats.org/presentationml/2006/main">
+  <p:cSld>
+    <p:spTree>
+      <p:nvGrpSpPr>
+        <p:cNvPr id="1" name=""/>
+        <p:cNvGrpSpPr/>
+        <p:nvPr/>
+      </p:nvGrpSpPr>
+      <p:grpSpPr>
+        <a:xfrm>
+          <a:off x="0" y="0"/>
+          <a:ext cx="0" cy="0"/>
+          <a:chOff x="0" y="0"/>
+          <a:chExt cx="0" cy="0"/>
+        </a:xfrm>
+      </p:grpSpPr>
+      <p:sp>
+        <p:nvSpPr>
+          <p:cNvPr id="2" name="Title 1"/>
+          <p:cNvSpPr>
+            <a:spLocks noGrp="1"/>
+          </p:cNvSpPr>
+          <p:nvPr>
+            <p:ph type="title"/>
+            <p:extLst/>
+          </p:nvPr>
+        </p:nvSpPr>
+        <p:spPr/>
+        <p:txBody>
+          <a:bodyPr/>
+          <a:lstStyle/>
+          <a:p>
+            <a:r>
+              <a:rPr lang="en-US" dirty="0"/>
+              <a:t>What can I </a:t>
+            </a:r>
+            <a:r>
+              <a:rPr lang="en-US" dirty="0" smtClean="0"/>
+              <a:t>do with this thing?</a:t>
+            </a:r>
+            <a:endParaRPr lang="en-US" dirty="0"/>
           </a:p>
         </p:txBody>
       </p:sp>
@@ -4307,7 +4620,7 @@
 </p:sld>
 </file>
 
-<file path=ppt/slides/slide6.xml><?xml version="1.0" encoding="utf-8"?>
+<file path=ppt/slides/slide7.xml><?xml version="1.0" encoding="utf-8"?>
 <p:sld xmlns:a="http://schemas.openxmlformats.org/drawingml/2006/main" xmlns:r="http://schemas.openxmlformats.org/officeDocument/2006/relationships" xmlns:p="http://schemas.openxmlformats.org/presentationml/2006/main">
   <p:cSld>
     <p:spTree>
@@ -4502,7 +4815,7 @@
 </p:sld>
 </file>
 
-<file path=ppt/slides/slide7.xml><?xml version="1.0" encoding="utf-8"?>
+<file path=ppt/slides/slide8.xml><?xml version="1.0" encoding="utf-8"?>
 <p:sld xmlns:a="http://schemas.openxmlformats.org/drawingml/2006/main" xmlns:r="http://schemas.openxmlformats.org/officeDocument/2006/relationships" xmlns:p="http://schemas.openxmlformats.org/presentationml/2006/main">
   <p:cSld>
     <p:spTree>
@@ -4536,11 +4849,7 @@
           <a:p>
             <a:r>
               <a:rPr lang="en-US" dirty="0" smtClean="0"/>
-              <a:t>Shutdown your </a:t>
-            </a:r>
-            <a:r>
-              <a:rPr lang="en-US" dirty="0" smtClean="0"/>
-              <a:t>Pi</a:t>
+              <a:t>Shutdown your Pi</a:t>
             </a:r>
             <a:endParaRPr lang="en-US" dirty="0"/>
           </a:p>
@@ -4609,13 +4918,8 @@
           <a:p>
             <a:r>
               <a:rPr lang="en-US" dirty="0" smtClean="0"/>
-              <a:t>Unplug the USB </a:t>
-            </a:r>
-            <a:r>
-              <a:rPr lang="en-US" dirty="0" smtClean="0"/>
-              <a:t>cable</a:t>
-            </a:r>
-            <a:endParaRPr lang="en-US" dirty="0" smtClean="0"/>
+              <a:t>Unplug the USB cable</a:t>
+            </a:r>
           </a:p>
         </p:txBody>
       </p:sp>
@@ -4642,7 +4946,7 @@
               <a:pPr>
                 <a:defRPr/>
               </a:pPr>
-              <a:t>7</a:t>
+              <a:t>8</a:t>
             </a:fld>
             <a:endParaRPr lang="en-US" dirty="0"/>
           </a:p>
